--- a/wrpbase_setup.pptx
+++ b/wrpbase_setup.pptx
@@ -23,13 +23,14 @@
     <p:sldId id="272" r:id="rId17"/>
     <p:sldId id="273" r:id="rId18"/>
     <p:sldId id="274" r:id="rId19"/>
-    <p:sldId id="275" r:id="rId20"/>
-    <p:sldId id="283" r:id="rId21"/>
-    <p:sldId id="285" r:id="rId22"/>
-    <p:sldId id="259" r:id="rId23"/>
-    <p:sldId id="282" r:id="rId24"/>
-    <p:sldId id="260" r:id="rId25"/>
-    <p:sldId id="284" r:id="rId26"/>
+    <p:sldId id="286" r:id="rId20"/>
+    <p:sldId id="275" r:id="rId21"/>
+    <p:sldId id="259" r:id="rId22"/>
+    <p:sldId id="283" r:id="rId23"/>
+    <p:sldId id="285" r:id="rId24"/>
+    <p:sldId id="282" r:id="rId25"/>
+    <p:sldId id="260" r:id="rId26"/>
+    <p:sldId id="284" r:id="rId27"/>
   </p:sldIdLst>
   <p:sldSz cx="12192000" cy="6858000"/>
   <p:notesSz cx="6858000" cy="9144000"/>
@@ -362,7 +363,7 @@
           <a:p>
             <a:fld id="{9FF0BE47-2AD4-4060-BC4E-4D430C7DA142}" type="datetimeFigureOut">
               <a:rPr lang="en-US" smtClean="0"/>
-              <a:t>3/9/2020</a:t>
+              <a:t>3/13/2020</a:t>
             </a:fld>
             <a:endParaRPr lang="en-US"/>
           </a:p>
@@ -575,7 +576,7 @@
           <a:p>
             <a:fld id="{9FF0BE47-2AD4-4060-BC4E-4D430C7DA142}" type="datetimeFigureOut">
               <a:rPr lang="en-US" smtClean="0"/>
-              <a:t>3/9/2020</a:t>
+              <a:t>3/13/2020</a:t>
             </a:fld>
             <a:endParaRPr lang="en-US"/>
           </a:p>
@@ -831,7 +832,7 @@
           <a:p>
             <a:fld id="{9FF0BE47-2AD4-4060-BC4E-4D430C7DA142}" type="datetimeFigureOut">
               <a:rPr lang="en-US" smtClean="0"/>
-              <a:t>3/9/2020</a:t>
+              <a:t>3/13/2020</a:t>
             </a:fld>
             <a:endParaRPr lang="en-US"/>
           </a:p>
@@ -1005,7 +1006,7 @@
           <a:p>
             <a:fld id="{9FF0BE47-2AD4-4060-BC4E-4D430C7DA142}" type="datetimeFigureOut">
               <a:rPr lang="en-US" smtClean="0"/>
-              <a:t>3/9/2020</a:t>
+              <a:t>3/13/2020</a:t>
             </a:fld>
             <a:endParaRPr lang="en-US"/>
           </a:p>
@@ -1348,7 +1349,7 @@
           <a:p>
             <a:fld id="{9FF0BE47-2AD4-4060-BC4E-4D430C7DA142}" type="datetimeFigureOut">
               <a:rPr lang="en-US" smtClean="0"/>
-              <a:t>3/9/2020</a:t>
+              <a:t>3/13/2020</a:t>
             </a:fld>
             <a:endParaRPr lang="en-US"/>
           </a:p>
@@ -1623,7 +1624,7 @@
           <a:p>
             <a:fld id="{9FF0BE47-2AD4-4060-BC4E-4D430C7DA142}" type="datetimeFigureOut">
               <a:rPr lang="en-US" smtClean="0"/>
-              <a:t>3/9/2020</a:t>
+              <a:t>3/13/2020</a:t>
             </a:fld>
             <a:endParaRPr lang="en-US"/>
           </a:p>
@@ -2002,7 +2003,7 @@
           <a:p>
             <a:fld id="{9FF0BE47-2AD4-4060-BC4E-4D430C7DA142}" type="datetimeFigureOut">
               <a:rPr lang="en-US" smtClean="0"/>
-              <a:t>3/9/2020</a:t>
+              <a:t>3/13/2020</a:t>
             </a:fld>
             <a:endParaRPr lang="en-US"/>
           </a:p>
@@ -2120,7 +2121,7 @@
           <a:p>
             <a:fld id="{9FF0BE47-2AD4-4060-BC4E-4D430C7DA142}" type="datetimeFigureOut">
               <a:rPr lang="en-US" smtClean="0"/>
-              <a:t>3/9/2020</a:t>
+              <a:t>3/13/2020</a:t>
             </a:fld>
             <a:endParaRPr lang="en-US"/>
           </a:p>
@@ -2291,7 +2292,7 @@
           <a:p>
             <a:fld id="{9FF0BE47-2AD4-4060-BC4E-4D430C7DA142}" type="datetimeFigureOut">
               <a:rPr lang="en-US" smtClean="0"/>
-              <a:t>3/9/2020</a:t>
+              <a:t>3/13/2020</a:t>
             </a:fld>
             <a:endParaRPr lang="en-US"/>
           </a:p>
@@ -2650,7 +2651,7 @@
           <a:p>
             <a:fld id="{9FF0BE47-2AD4-4060-BC4E-4D430C7DA142}" type="datetimeFigureOut">
               <a:rPr lang="en-US" smtClean="0"/>
-              <a:t>3/9/2020</a:t>
+              <a:t>3/13/2020</a:t>
             </a:fld>
             <a:endParaRPr lang="en-US"/>
           </a:p>
@@ -3032,7 +3033,7 @@
           <a:p>
             <a:fld id="{9FF0BE47-2AD4-4060-BC4E-4D430C7DA142}" type="datetimeFigureOut">
               <a:rPr lang="en-US" smtClean="0"/>
-              <a:t>3/9/2020</a:t>
+              <a:t>3/13/2020</a:t>
             </a:fld>
             <a:endParaRPr lang="en-US"/>
           </a:p>
@@ -3319,7 +3320,7 @@
           <a:p>
             <a:fld id="{9FF0BE47-2AD4-4060-BC4E-4D430C7DA142}" type="datetimeFigureOut">
               <a:rPr lang="en-US" smtClean="0"/>
-              <a:t>3/9/2020</a:t>
+              <a:t>3/13/2020</a:t>
             </a:fld>
             <a:endParaRPr lang="en-US"/>
           </a:p>
@@ -5434,173 +5435,86 @@
           <a:p>
             <a:r>
               <a:rPr lang="en-US" dirty="0"/>
-              <a:t>LVGL ESP32 Eclipse 3</a:t>
-            </a:r>
-          </a:p>
-        </p:txBody>
-      </p:sp>
-      <p:sp>
-        <p:nvSpPr>
-          <p:cNvPr id="3" name="Content Placeholder 2"/>
-          <p:cNvSpPr>
-            <a:spLocks noGrp="1"/>
-          </p:cNvSpPr>
-          <p:nvPr>
-            <p:ph idx="1"/>
-          </p:nvPr>
-        </p:nvSpPr>
-        <p:spPr/>
-        <p:txBody>
-          <a:bodyPr>
-            <a:normAutofit fontScale="92500" lnSpcReduction="20000"/>
-          </a:bodyPr>
-          <a:lstStyle/>
-          <a:p>
-            <a:r>
-              <a:rPr lang="en-US" b="1" dirty="0"/>
-              <a:t>PROJECT_NAME := </a:t>
-            </a:r>
-            <a:r>
-              <a:rPr lang="en-US" b="1" dirty="0" smtClean="0"/>
-              <a:t>lvglesp32</a:t>
-            </a:r>
-          </a:p>
-          <a:p>
+              <a:t>LVGL ESP32 Eclipse </a:t>
+            </a:r>
             <a:r>
               <a:rPr lang="en-US" dirty="0" smtClean="0"/>
-              <a:t># </a:t>
-            </a:r>
-            <a:r>
-              <a:rPr lang="en-US" dirty="0"/>
-              <a:t>Build </a:t>
-            </a:r>
-            <a:r>
-              <a:rPr lang="en-US" dirty="0" err="1"/>
-              <a:t>lvgl</a:t>
-            </a:r>
-            <a:r>
-              <a:rPr lang="en-US" dirty="0"/>
-              <a:t> component in </a:t>
-            </a:r>
-            <a:r>
-              <a:rPr lang="en-US" dirty="0" err="1"/>
-              <a:t>iotprj</a:t>
-            </a:r>
-            <a:r>
-              <a:rPr lang="en-US" dirty="0"/>
-              <a:t>/packages/</a:t>
-            </a:r>
-            <a:r>
-              <a:rPr lang="en-US" dirty="0" err="1"/>
-              <a:t>lvgl</a:t>
-            </a:r>
-            <a:r>
-              <a:rPr lang="en-US" dirty="0"/>
-              <a:t>, </a:t>
-            </a:r>
-            <a:r>
-              <a:rPr lang="en-US" dirty="0" err="1"/>
-              <a:t>drv</a:t>
-            </a:r>
-            <a:r>
-              <a:rPr lang="en-US" dirty="0"/>
-              <a:t> in its own, and </a:t>
-            </a:r>
-            <a:r>
-              <a:rPr lang="en-US" dirty="0" err="1"/>
-              <a:t>wrpbase</a:t>
-            </a:r>
-            <a:r>
-              <a:rPr lang="en-US" dirty="0"/>
-              <a:t> </a:t>
-            </a:r>
-            <a:r>
-              <a:rPr lang="en-US" dirty="0" smtClean="0"/>
-              <a:t>component in </a:t>
-            </a:r>
-            <a:r>
-              <a:rPr lang="en-US" dirty="0" err="1" smtClean="0"/>
-              <a:t>iotprj</a:t>
-            </a:r>
-            <a:r>
-              <a:rPr lang="en-US" dirty="0" smtClean="0"/>
-              <a:t>/</a:t>
-            </a:r>
-            <a:r>
-              <a:rPr lang="en-US" dirty="0" err="1" smtClean="0"/>
-              <a:t>wrpbase</a:t>
+              <a:t>3</a:t>
             </a:r>
             <a:endParaRPr lang="en-US" dirty="0"/>
           </a:p>
-          <a:p>
-            <a:r>
-              <a:rPr lang="en-US" b="1" dirty="0"/>
-              <a:t>EXTRA_CFLAGS := -DLV_CONF_INCLUDE_SIMPLE</a:t>
-            </a:r>
-          </a:p>
-          <a:p>
-            <a:r>
-              <a:rPr lang="en-US" b="1" dirty="0"/>
-              <a:t>EXTRA_COMPONENT_DIRS := D:/iotprj/packages/lvgl D:/iotprj/lvglesp32/components/drv D:/iotprj/wrpbase D:/iotprj/appsample</a:t>
-            </a:r>
-          </a:p>
-          <a:p>
-            <a:r>
-              <a:rPr lang="en-US" dirty="0" smtClean="0"/>
-              <a:t># </a:t>
-            </a:r>
-            <a:r>
-              <a:rPr lang="en-US" dirty="0"/>
-              <a:t>Include </a:t>
-            </a:r>
-            <a:r>
-              <a:rPr lang="en-US" dirty="0" err="1"/>
-              <a:t>lv_conf.h</a:t>
-            </a:r>
-            <a:r>
-              <a:rPr lang="en-US" dirty="0"/>
-              <a:t> if using main.cpp</a:t>
-            </a:r>
-          </a:p>
-          <a:p>
-            <a:r>
-              <a:rPr lang="en-US" b="1" dirty="0"/>
-              <a:t>EXTRA_CPPFLAGS := -DLV_CONF_INCLUDE_SIMPLE</a:t>
-            </a:r>
-          </a:p>
-          <a:p>
-            <a:r>
-              <a:rPr lang="en-US" b="1" dirty="0"/>
-              <a:t>COMPONENT_EXTRA_INCLUDES := D:/iotprj/packages D:/iotprj/packages/esp32_ili9341/components</a:t>
-            </a:r>
-          </a:p>
-          <a:p>
-            <a:r>
-              <a:rPr lang="en-US" b="1" dirty="0" smtClean="0"/>
-              <a:t>CPPFLAGS </a:t>
-            </a:r>
-            <a:r>
-              <a:rPr lang="en-US" b="1" dirty="0"/>
-              <a:t>+= -DLVGL_PC_SIMU=0 -DLVGL_ESP32_ILI9341=1 -DUSE_ESP_IDF=1</a:t>
-            </a:r>
-          </a:p>
-          <a:p>
-            <a:r>
-              <a:rPr lang="en-US" b="1" dirty="0" smtClean="0"/>
-              <a:t>include </a:t>
-            </a:r>
-            <a:r>
-              <a:rPr lang="en-US" b="1" dirty="0"/>
-              <a:t>$(IDF_PATH)/make/project.mk</a:t>
-            </a:r>
-            <a:endParaRPr lang="en-US" dirty="0"/>
-          </a:p>
-        </p:txBody>
-      </p:sp>
+        </p:txBody>
+      </p:sp>
+      <p:pic>
+        <p:nvPicPr>
+          <p:cNvPr id="4" name="Picture 3"/>
+          <p:cNvPicPr/>
+          <p:nvPr/>
+        </p:nvPicPr>
+        <p:blipFill>
+          <a:blip r:embed="rId2">
+            <a:extLst>
+              <a:ext uri="{28A0092B-C50C-407E-A947-70E740481C1C}">
+                <a14:useLocalDpi xmlns:a14="http://schemas.microsoft.com/office/drawing/2010/main" val="0"/>
+              </a:ext>
+            </a:extLst>
+          </a:blip>
+          <a:srcRect/>
+          <a:stretch>
+            <a:fillRect/>
+          </a:stretch>
+        </p:blipFill>
+        <p:spPr bwMode="auto">
+          <a:xfrm>
+            <a:off x="1097280" y="1950720"/>
+            <a:ext cx="5669280" cy="4312376"/>
+          </a:xfrm>
+          <a:prstGeom prst="rect">
+            <a:avLst/>
+          </a:prstGeom>
+          <a:noFill/>
+          <a:ln>
+            <a:noFill/>
+          </a:ln>
+        </p:spPr>
+      </p:pic>
+      <p:pic>
+        <p:nvPicPr>
+          <p:cNvPr id="5" name="Picture 4"/>
+          <p:cNvPicPr/>
+          <p:nvPr/>
+        </p:nvPicPr>
+        <p:blipFill>
+          <a:blip r:embed="rId3">
+            <a:extLst>
+              <a:ext uri="{28A0092B-C50C-407E-A947-70E740481C1C}">
+                <a14:useLocalDpi xmlns:a14="http://schemas.microsoft.com/office/drawing/2010/main" val="0"/>
+              </a:ext>
+            </a:extLst>
+          </a:blip>
+          <a:srcRect/>
+          <a:stretch>
+            <a:fillRect/>
+          </a:stretch>
+        </p:blipFill>
+        <p:spPr bwMode="auto">
+          <a:xfrm>
+            <a:off x="6982641" y="2220958"/>
+            <a:ext cx="3451860" cy="3771900"/>
+          </a:xfrm>
+          <a:prstGeom prst="rect">
+            <a:avLst/>
+          </a:prstGeom>
+          <a:noFill/>
+          <a:ln>
+            <a:noFill/>
+          </a:ln>
+        </p:spPr>
+      </p:pic>
     </p:spTree>
     <p:extLst>
       <p:ext uri="{BB962C8B-B14F-4D97-AF65-F5344CB8AC3E}">
-        <p14:creationId xmlns:p14="http://schemas.microsoft.com/office/powerpoint/2010/main" val="4268447787"/>
+        <p14:creationId xmlns:p14="http://schemas.microsoft.com/office/powerpoint/2010/main" val="4120107328"/>
       </p:ext>
     </p:extLst>
   </p:cSld>
@@ -6067,34 +5981,347 @@
           <a:chExt cx="0" cy="0"/>
         </a:xfrm>
       </p:grpSpPr>
-      <p:pic>
-        <p:nvPicPr>
-          <p:cNvPr id="2" name="Picture 1"/>
-          <p:cNvPicPr>
-            <a:picLocks noChangeAspect="1"/>
-          </p:cNvPicPr>
-          <p:nvPr/>
-        </p:nvPicPr>
-        <p:blipFill>
-          <a:blip r:embed="rId2"/>
-          <a:stretch>
-            <a:fillRect/>
-          </a:stretch>
-        </p:blipFill>
-        <p:spPr>
-          <a:xfrm>
-            <a:off x="15239" y="0"/>
-            <a:ext cx="12165451" cy="6751320"/>
-          </a:xfrm>
-          <a:prstGeom prst="rect">
-            <a:avLst/>
-          </a:prstGeom>
-        </p:spPr>
-      </p:pic>
+      <p:sp>
+        <p:nvSpPr>
+          <p:cNvPr id="2" name="Title 1"/>
+          <p:cNvSpPr>
+            <a:spLocks noGrp="1"/>
+          </p:cNvSpPr>
+          <p:nvPr>
+            <p:ph type="title"/>
+          </p:nvPr>
+        </p:nvSpPr>
+        <p:spPr/>
+        <p:txBody>
+          <a:bodyPr/>
+          <a:lstStyle/>
+          <a:p>
+            <a:r>
+              <a:rPr lang="en-US" dirty="0"/>
+              <a:t>LVGL ESP32 Eclipse 3</a:t>
+            </a:r>
+          </a:p>
+        </p:txBody>
+      </p:sp>
+      <p:sp>
+        <p:nvSpPr>
+          <p:cNvPr id="3" name="Content Placeholder 2"/>
+          <p:cNvSpPr>
+            <a:spLocks noGrp="1"/>
+          </p:cNvSpPr>
+          <p:nvPr>
+            <p:ph idx="1"/>
+          </p:nvPr>
+        </p:nvSpPr>
+        <p:spPr/>
+        <p:txBody>
+          <a:bodyPr>
+            <a:normAutofit fontScale="85000" lnSpcReduction="20000"/>
+          </a:bodyPr>
+          <a:lstStyle/>
+          <a:p>
+            <a:pPr>
+              <a:lnSpc>
+                <a:spcPct val="120000"/>
+              </a:lnSpc>
+              <a:spcBef>
+                <a:spcPts val="0"/>
+              </a:spcBef>
+              <a:spcAft>
+                <a:spcPts val="0"/>
+              </a:spcAft>
+            </a:pPr>
+            <a:r>
+              <a:rPr lang="en-US" dirty="0"/>
+              <a:t># ESP32 Diagnosis Project </a:t>
+            </a:r>
+            <a:r>
+              <a:rPr lang="en-US" dirty="0" smtClean="0"/>
+              <a:t>Name</a:t>
+            </a:r>
+          </a:p>
+          <a:p>
+            <a:pPr>
+              <a:lnSpc>
+                <a:spcPct val="120000"/>
+              </a:lnSpc>
+              <a:spcBef>
+                <a:spcPts val="0"/>
+              </a:spcBef>
+              <a:spcAft>
+                <a:spcPts val="0"/>
+              </a:spcAft>
+            </a:pPr>
+            <a:r>
+              <a:rPr lang="en-US" b="1" dirty="0" smtClean="0"/>
+              <a:t>PROJECT_NAME </a:t>
+            </a:r>
+            <a:r>
+              <a:rPr lang="en-US" b="1" dirty="0"/>
+              <a:t>:= esp32diag</a:t>
+            </a:r>
+          </a:p>
+          <a:p>
+            <a:pPr>
+              <a:lnSpc>
+                <a:spcPct val="120000"/>
+              </a:lnSpc>
+              <a:spcBef>
+                <a:spcPts val="0"/>
+              </a:spcBef>
+              <a:spcAft>
+                <a:spcPts val="0"/>
+              </a:spcAft>
+            </a:pPr>
+            <a:r>
+              <a:rPr lang="en-US" dirty="0" smtClean="0"/>
+              <a:t>#</a:t>
+            </a:r>
+            <a:r>
+              <a:rPr lang="en-US" dirty="0"/>
+              <a:t>For C++ language flags</a:t>
+            </a:r>
+          </a:p>
+          <a:p>
+            <a:pPr>
+              <a:lnSpc>
+                <a:spcPct val="120000"/>
+              </a:lnSpc>
+              <a:spcBef>
+                <a:spcPts val="0"/>
+              </a:spcBef>
+              <a:spcAft>
+                <a:spcPts val="0"/>
+              </a:spcAft>
+            </a:pPr>
+            <a:r>
+              <a:rPr lang="en-US" b="1" dirty="0"/>
+              <a:t>EXTRA_CPPFLAGS := -DLV_CONF_INCLUDE_SIMPLE -DILI9341_BCKL_ACTIVE_LVL=0</a:t>
+            </a:r>
+          </a:p>
+          <a:p>
+            <a:pPr>
+              <a:lnSpc>
+                <a:spcPct val="120000"/>
+              </a:lnSpc>
+              <a:spcBef>
+                <a:spcPts val="0"/>
+              </a:spcBef>
+              <a:spcAft>
+                <a:spcPts val="0"/>
+              </a:spcAft>
+            </a:pPr>
+            <a:r>
+              <a:rPr lang="en-US" dirty="0" smtClean="0"/>
+              <a:t>#</a:t>
+            </a:r>
+            <a:r>
+              <a:rPr lang="en-US" dirty="0"/>
+              <a:t>Use LVGL library and ILI9341 driver</a:t>
+            </a:r>
+          </a:p>
+          <a:p>
+            <a:pPr>
+              <a:lnSpc>
+                <a:spcPct val="120000"/>
+              </a:lnSpc>
+              <a:spcBef>
+                <a:spcPts val="0"/>
+              </a:spcBef>
+              <a:spcAft>
+                <a:spcPts val="0"/>
+              </a:spcAft>
+            </a:pPr>
+            <a:r>
+              <a:rPr lang="en-US" b="1" dirty="0"/>
+              <a:t>EXTRA_COMPONENT_DIRS := D:/iotprj/packages/lvgl D:/iotprj/packages/esp32_ili9341/components/drv</a:t>
+            </a:r>
+          </a:p>
+          <a:p>
+            <a:pPr>
+              <a:lnSpc>
+                <a:spcPct val="120000"/>
+              </a:lnSpc>
+              <a:spcBef>
+                <a:spcPts val="0"/>
+              </a:spcBef>
+              <a:spcAft>
+                <a:spcPts val="0"/>
+              </a:spcAft>
+            </a:pPr>
+            <a:r>
+              <a:rPr lang="en-US" dirty="0" smtClean="0"/>
+              <a:t>#</a:t>
+            </a:r>
+            <a:r>
+              <a:rPr lang="en-US" dirty="0"/>
+              <a:t>Include headers of </a:t>
+            </a:r>
+            <a:r>
+              <a:rPr lang="en-US" dirty="0" err="1"/>
+              <a:t>lvgl</a:t>
+            </a:r>
+            <a:r>
+              <a:rPr lang="en-US" dirty="0"/>
+              <a:t> component and headers of ili9341 driver</a:t>
+            </a:r>
+          </a:p>
+          <a:p>
+            <a:pPr>
+              <a:lnSpc>
+                <a:spcPct val="120000"/>
+              </a:lnSpc>
+              <a:spcBef>
+                <a:spcPts val="0"/>
+              </a:spcBef>
+              <a:spcAft>
+                <a:spcPts val="0"/>
+              </a:spcAft>
+            </a:pPr>
+            <a:r>
+              <a:rPr lang="en-US" b="1" dirty="0"/>
+              <a:t>COMPONENT_EXTRA_INCLUDES := D:/iotprj/packages D:/iotprj/packages/esp32_ili9341/components</a:t>
+            </a:r>
+          </a:p>
+          <a:p>
+            <a:pPr>
+              <a:lnSpc>
+                <a:spcPct val="120000"/>
+              </a:lnSpc>
+              <a:spcBef>
+                <a:spcPts val="0"/>
+              </a:spcBef>
+              <a:spcAft>
+                <a:spcPts val="0"/>
+              </a:spcAft>
+            </a:pPr>
+            <a:r>
+              <a:rPr lang="en-US" dirty="0" smtClean="0"/>
+              <a:t>#</a:t>
+            </a:r>
+            <a:r>
+              <a:rPr lang="en-US" dirty="0"/>
+              <a:t>Use include macros for </a:t>
+            </a:r>
+            <a:r>
+              <a:rPr lang="en-US" dirty="0" err="1"/>
+              <a:t>wrpbase</a:t>
+            </a:r>
+            <a:endParaRPr lang="en-US" dirty="0"/>
+          </a:p>
+          <a:p>
+            <a:pPr>
+              <a:lnSpc>
+                <a:spcPct val="120000"/>
+              </a:lnSpc>
+              <a:spcBef>
+                <a:spcPts val="0"/>
+              </a:spcBef>
+              <a:spcAft>
+                <a:spcPts val="0"/>
+              </a:spcAft>
+            </a:pPr>
+            <a:r>
+              <a:rPr lang="en-US" b="1" dirty="0"/>
+              <a:t>CPPFLAGS += -DLVGL_PC_SIMU=0 -DLVGL_ESP32_ILI9341=1 -DUSE_ESP_IDF=1</a:t>
+            </a:r>
+          </a:p>
+          <a:p>
+            <a:pPr>
+              <a:lnSpc>
+                <a:spcPct val="120000"/>
+              </a:lnSpc>
+              <a:spcBef>
+                <a:spcPts val="0"/>
+              </a:spcBef>
+              <a:spcAft>
+                <a:spcPts val="0"/>
+              </a:spcAft>
+            </a:pPr>
+            <a:r>
+              <a:rPr lang="en-US" dirty="0"/>
+              <a:t>#Use </a:t>
+            </a:r>
+            <a:r>
+              <a:rPr lang="en-US" dirty="0" err="1"/>
+              <a:t>wrpbase</a:t>
+            </a:r>
+            <a:r>
+              <a:rPr lang="en-US" dirty="0"/>
+              <a:t> component</a:t>
+            </a:r>
+          </a:p>
+          <a:p>
+            <a:pPr>
+              <a:lnSpc>
+                <a:spcPct val="120000"/>
+              </a:lnSpc>
+              <a:spcBef>
+                <a:spcPts val="0"/>
+              </a:spcBef>
+              <a:spcAft>
+                <a:spcPts val="0"/>
+              </a:spcAft>
+            </a:pPr>
+            <a:r>
+              <a:rPr lang="en-US" b="1" dirty="0"/>
+              <a:t>EXTRA_COMPONENT_DIRS += D:/iotprj/wrpbase/wrpdrv D:/iotprj/wrpbase/wrpsys D:/iotprj/wrpbase/wrpgui D:/iotprj/wrpbase/wrpmidw D:/iotprj/wrpbase/wrphmi D:/iotprj/wrpbase/wrpres</a:t>
+            </a:r>
+          </a:p>
+          <a:p>
+            <a:pPr>
+              <a:lnSpc>
+                <a:spcPct val="120000"/>
+              </a:lnSpc>
+              <a:spcBef>
+                <a:spcPts val="0"/>
+              </a:spcBef>
+              <a:spcAft>
+                <a:spcPts val="0"/>
+              </a:spcAft>
+            </a:pPr>
+            <a:r>
+              <a:rPr lang="en-US" dirty="0" smtClean="0"/>
+              <a:t>#</a:t>
+            </a:r>
+            <a:r>
+              <a:rPr lang="en-US" dirty="0" err="1"/>
+              <a:t>esp-idf</a:t>
+            </a:r>
+            <a:r>
+              <a:rPr lang="en-US" dirty="0"/>
+              <a:t> platform </a:t>
+            </a:r>
+            <a:r>
+              <a:rPr lang="en-US" dirty="0" err="1"/>
+              <a:t>makefile</a:t>
+            </a:r>
+            <a:endParaRPr lang="en-US" dirty="0"/>
+          </a:p>
+          <a:p>
+            <a:pPr>
+              <a:lnSpc>
+                <a:spcPct val="120000"/>
+              </a:lnSpc>
+              <a:spcBef>
+                <a:spcPts val="0"/>
+              </a:spcBef>
+              <a:spcAft>
+                <a:spcPts val="0"/>
+              </a:spcAft>
+            </a:pPr>
+            <a:r>
+              <a:rPr lang="en-US" b="1" dirty="0"/>
+              <a:t>include $(IDF_PATH)/make/project.mk</a:t>
+            </a:r>
+            <a:endParaRPr lang="en-US" dirty="0"/>
+          </a:p>
+        </p:txBody>
+      </p:sp>
     </p:spTree>
     <p:extLst>
       <p:ext uri="{BB962C8B-B14F-4D97-AF65-F5344CB8AC3E}">
-        <p14:creationId xmlns:p14="http://schemas.microsoft.com/office/powerpoint/2010/main" val="3081684080"/>
+        <p14:creationId xmlns:p14="http://schemas.microsoft.com/office/powerpoint/2010/main" val="4268447787"/>
       </p:ext>
     </p:extLst>
   </p:cSld>
@@ -6128,34 +6355,198 @@
           <a:chExt cx="0" cy="0"/>
         </a:xfrm>
       </p:grpSpPr>
-      <p:pic>
-        <p:nvPicPr>
-          <p:cNvPr id="2" name="Picture 1"/>
-          <p:cNvPicPr>
-            <a:picLocks noChangeAspect="1"/>
-          </p:cNvPicPr>
-          <p:nvPr/>
-        </p:nvPicPr>
-        <p:blipFill>
-          <a:blip r:embed="rId2"/>
-          <a:stretch>
-            <a:fillRect/>
-          </a:stretch>
-        </p:blipFill>
-        <p:spPr>
-          <a:xfrm>
-            <a:off x="365761" y="539931"/>
-            <a:ext cx="11538856" cy="5232219"/>
-          </a:xfrm>
-          <a:prstGeom prst="rect">
-            <a:avLst/>
-          </a:prstGeom>
-        </p:spPr>
-      </p:pic>
+      <p:sp>
+        <p:nvSpPr>
+          <p:cNvPr id="2" name="Title 1"/>
+          <p:cNvSpPr>
+            <a:spLocks noGrp="1"/>
+          </p:cNvSpPr>
+          <p:nvPr>
+            <p:ph type="title"/>
+          </p:nvPr>
+        </p:nvSpPr>
+        <p:spPr/>
+        <p:txBody>
+          <a:bodyPr/>
+          <a:lstStyle/>
+          <a:p>
+            <a:r>
+              <a:rPr lang="en-US" dirty="0" smtClean="0"/>
+              <a:t>Notes</a:t>
+            </a:r>
+            <a:endParaRPr lang="en-US" dirty="0"/>
+          </a:p>
+        </p:txBody>
+      </p:sp>
+      <p:sp>
+        <p:nvSpPr>
+          <p:cNvPr id="3" name="Content Placeholder 2"/>
+          <p:cNvSpPr>
+            <a:spLocks noGrp="1"/>
+          </p:cNvSpPr>
+          <p:nvPr>
+            <p:ph idx="1"/>
+          </p:nvPr>
+        </p:nvSpPr>
+        <p:spPr/>
+        <p:txBody>
+          <a:bodyPr>
+            <a:normAutofit/>
+          </a:bodyPr>
+          <a:lstStyle/>
+          <a:p>
+            <a:pPr>
+              <a:buFont typeface="Courier New" panose="02070309020205020404" pitchFamily="49" charset="0"/>
+              <a:buChar char="o"/>
+            </a:pPr>
+            <a:r>
+              <a:rPr lang="en-US" sz="1400" dirty="0" smtClean="0"/>
+              <a:t> Set IDF_PATH: echo 'export IDF_PATH=</a:t>
+            </a:r>
+            <a:r>
+              <a:rPr lang="en-US" sz="1400" dirty="0"/>
+              <a:t>"</a:t>
+            </a:r>
+            <a:r>
+              <a:rPr lang="en-US" sz="1400" dirty="0" smtClean="0"/>
+              <a:t>D:/iotprj/packages/esp-idf"' </a:t>
+            </a:r>
+            <a:r>
+              <a:rPr lang="en-US" sz="1400" dirty="0"/>
+              <a:t>&gt;&gt; $HOME/.</a:t>
+            </a:r>
+            <a:r>
+              <a:rPr lang="en-US" sz="1400" dirty="0" err="1" smtClean="0"/>
+              <a:t>bash_profile</a:t>
+            </a:r>
+            <a:endParaRPr lang="en-US" sz="1400" dirty="0" smtClean="0"/>
+          </a:p>
+          <a:p>
+            <a:r>
+              <a:rPr lang="en-US" sz="1400" dirty="0" smtClean="0"/>
+              <a:t>msys32 open will use this path</a:t>
+            </a:r>
+          </a:p>
+          <a:p>
+            <a:pPr>
+              <a:buFont typeface="Courier New" panose="02070309020205020404" pitchFamily="49" charset="0"/>
+              <a:buChar char="o"/>
+            </a:pPr>
+            <a:r>
+              <a:rPr lang="en-US" sz="1400" dirty="0"/>
+              <a:t> </a:t>
+            </a:r>
+            <a:r>
+              <a:rPr lang="en-US" sz="1400" dirty="0" smtClean="0"/>
+              <a:t>Generate partition table:</a:t>
+            </a:r>
+          </a:p>
+          <a:p>
+            <a:pPr lvl="1">
+              <a:buFont typeface="Courier New" panose="02070309020205020404" pitchFamily="49" charset="0"/>
+              <a:buChar char="o"/>
+            </a:pPr>
+            <a:r>
+              <a:rPr lang="en-US" sz="1400" dirty="0" smtClean="0"/>
+              <a:t>Partition table should not same name as project name otherwise same .bin is generated</a:t>
+            </a:r>
+          </a:p>
+          <a:p>
+            <a:pPr lvl="1">
+              <a:buFont typeface="Courier New" panose="02070309020205020404" pitchFamily="49" charset="0"/>
+              <a:buChar char="o"/>
+            </a:pPr>
+            <a:r>
+              <a:rPr lang="en-US" sz="1400" dirty="0" smtClean="0"/>
+              <a:t>Generate: python </a:t>
+            </a:r>
+            <a:r>
+              <a:rPr lang="en-US" sz="1400" dirty="0"/>
+              <a:t>$</a:t>
+            </a:r>
+            <a:r>
+              <a:rPr lang="en-US" sz="1400" dirty="0" smtClean="0"/>
+              <a:t>IDF_PATH/components/partition_table/gen_esp32part.py </a:t>
+            </a:r>
+            <a:r>
+              <a:rPr lang="en-US" sz="1400" dirty="0" err="1" smtClean="0"/>
+              <a:t>projectname_partition_table.bin</a:t>
+            </a:r>
+            <a:endParaRPr lang="en-US" sz="1400" dirty="0" smtClean="0"/>
+          </a:p>
+          <a:p>
+            <a:pPr lvl="1">
+              <a:buFont typeface="Courier New" panose="02070309020205020404" pitchFamily="49" charset="0"/>
+              <a:buChar char="o"/>
+            </a:pPr>
+            <a:r>
+              <a:rPr lang="en-US" sz="1400" dirty="0" smtClean="0"/>
+              <a:t>Flash: </a:t>
+            </a:r>
+            <a:r>
+              <a:rPr lang="en-US" sz="1400" dirty="0"/>
+              <a:t>python $IDF_PATH/tools/idf.py </a:t>
+            </a:r>
+            <a:r>
+              <a:rPr lang="en-US" sz="1400" dirty="0" err="1"/>
+              <a:t>partition_table</a:t>
+            </a:r>
+            <a:r>
+              <a:rPr lang="en-US" sz="1400" dirty="0"/>
+              <a:t>-flash =&gt; enter to lvglesp32\build\</a:t>
+            </a:r>
+            <a:r>
+              <a:rPr lang="en-US" sz="1400" dirty="0" err="1"/>
+              <a:t>partition_table</a:t>
+            </a:r>
+            <a:endParaRPr lang="en-US" sz="1400" dirty="0" smtClean="0"/>
+          </a:p>
+          <a:p>
+            <a:r>
+              <a:rPr lang="en-US" dirty="0"/>
+              <a:t>D:/iotprj/buildtools/msys32/mingw32/bin/python.exe -m pip install --user -r D:/</a:t>
+            </a:r>
+            <a:r>
+              <a:rPr lang="en-US" dirty="0" smtClean="0"/>
+              <a:t>iotprj/packages/esp-idf/requirements.txt</a:t>
+            </a:r>
+          </a:p>
+          <a:p>
+            <a:r>
+              <a:rPr lang="en-US" dirty="0" smtClean="0"/>
+              <a:t>Create components/main folders in </a:t>
+            </a:r>
+            <a:r>
+              <a:rPr lang="en-US" dirty="0" err="1" smtClean="0"/>
+              <a:t>lvglsim</a:t>
+            </a:r>
+            <a:r>
+              <a:rPr lang="en-US" dirty="0" smtClean="0"/>
+              <a:t> and copy </a:t>
+            </a:r>
+            <a:r>
+              <a:rPr lang="en-US" dirty="0" err="1" smtClean="0"/>
+              <a:t>lv_drivers</a:t>
+            </a:r>
+            <a:r>
+              <a:rPr lang="en-US" dirty="0" smtClean="0"/>
+              <a:t>, .h file into these folder =&gt; same as </a:t>
+            </a:r>
+            <a:r>
+              <a:rPr lang="en-US" dirty="0" err="1" smtClean="0"/>
+              <a:t>esp-idf</a:t>
+            </a:r>
+            <a:r>
+              <a:rPr lang="en-US" dirty="0" smtClean="0"/>
+              <a:t> app</a:t>
+            </a:r>
+          </a:p>
+        </p:txBody>
+      </p:sp>
     </p:spTree>
     <p:extLst>
       <p:ext uri="{BB962C8B-B14F-4D97-AF65-F5344CB8AC3E}">
-        <p14:creationId xmlns:p14="http://schemas.microsoft.com/office/powerpoint/2010/main" val="1881887142"/>
+        <p14:creationId xmlns:p14="http://schemas.microsoft.com/office/powerpoint/2010/main" val="91176203"/>
       </p:ext>
     </p:extLst>
   </p:cSld>
@@ -6189,198 +6580,34 @@
           <a:chExt cx="0" cy="0"/>
         </a:xfrm>
       </p:grpSpPr>
-      <p:sp>
-        <p:nvSpPr>
-          <p:cNvPr id="2" name="Title 1"/>
-          <p:cNvSpPr>
-            <a:spLocks noGrp="1"/>
-          </p:cNvSpPr>
-          <p:nvPr>
-            <p:ph type="title"/>
-          </p:nvPr>
-        </p:nvSpPr>
-        <p:spPr/>
-        <p:txBody>
-          <a:bodyPr/>
-          <a:lstStyle/>
-          <a:p>
-            <a:r>
-              <a:rPr lang="en-US" dirty="0" smtClean="0"/>
-              <a:t>Notes</a:t>
-            </a:r>
-            <a:endParaRPr lang="en-US" dirty="0"/>
-          </a:p>
-        </p:txBody>
-      </p:sp>
-      <p:sp>
-        <p:nvSpPr>
-          <p:cNvPr id="3" name="Content Placeholder 2"/>
-          <p:cNvSpPr>
-            <a:spLocks noGrp="1"/>
-          </p:cNvSpPr>
-          <p:nvPr>
-            <p:ph idx="1"/>
-          </p:nvPr>
-        </p:nvSpPr>
-        <p:spPr/>
-        <p:txBody>
-          <a:bodyPr>
-            <a:normAutofit/>
-          </a:bodyPr>
-          <a:lstStyle/>
-          <a:p>
-            <a:pPr>
-              <a:buFont typeface="Courier New" panose="02070309020205020404" pitchFamily="49" charset="0"/>
-              <a:buChar char="o"/>
-            </a:pPr>
-            <a:r>
-              <a:rPr lang="en-US" sz="1400" dirty="0" smtClean="0"/>
-              <a:t> Set IDF_PATH: echo 'export IDF_PATH=</a:t>
-            </a:r>
-            <a:r>
-              <a:rPr lang="en-US" sz="1400" dirty="0"/>
-              <a:t>"</a:t>
-            </a:r>
-            <a:r>
-              <a:rPr lang="en-US" sz="1400" dirty="0" smtClean="0"/>
-              <a:t>D:/iotprj/packages/esp-idf"' </a:t>
-            </a:r>
-            <a:r>
-              <a:rPr lang="en-US" sz="1400" dirty="0"/>
-              <a:t>&gt;&gt; $HOME/.</a:t>
-            </a:r>
-            <a:r>
-              <a:rPr lang="en-US" sz="1400" dirty="0" err="1" smtClean="0"/>
-              <a:t>bash_profile</a:t>
-            </a:r>
-            <a:endParaRPr lang="en-US" sz="1400" dirty="0" smtClean="0"/>
-          </a:p>
-          <a:p>
-            <a:r>
-              <a:rPr lang="en-US" sz="1400" dirty="0" smtClean="0"/>
-              <a:t>msys32 open will use this path</a:t>
-            </a:r>
-          </a:p>
-          <a:p>
-            <a:pPr>
-              <a:buFont typeface="Courier New" panose="02070309020205020404" pitchFamily="49" charset="0"/>
-              <a:buChar char="o"/>
-            </a:pPr>
-            <a:r>
-              <a:rPr lang="en-US" sz="1400" dirty="0"/>
-              <a:t> </a:t>
-            </a:r>
-            <a:r>
-              <a:rPr lang="en-US" sz="1400" dirty="0" smtClean="0"/>
-              <a:t>Generate partition table:</a:t>
-            </a:r>
-          </a:p>
-          <a:p>
-            <a:pPr lvl="1">
-              <a:buFont typeface="Courier New" panose="02070309020205020404" pitchFamily="49" charset="0"/>
-              <a:buChar char="o"/>
-            </a:pPr>
-            <a:r>
-              <a:rPr lang="en-US" sz="1400" dirty="0" smtClean="0"/>
-              <a:t>Partition table should not same name as project name otherwise same .bin is generated</a:t>
-            </a:r>
-          </a:p>
-          <a:p>
-            <a:pPr lvl="1">
-              <a:buFont typeface="Courier New" panose="02070309020205020404" pitchFamily="49" charset="0"/>
-              <a:buChar char="o"/>
-            </a:pPr>
-            <a:r>
-              <a:rPr lang="en-US" sz="1400" dirty="0" smtClean="0"/>
-              <a:t>Generate: python </a:t>
-            </a:r>
-            <a:r>
-              <a:rPr lang="en-US" sz="1400" dirty="0"/>
-              <a:t>$</a:t>
-            </a:r>
-            <a:r>
-              <a:rPr lang="en-US" sz="1400" dirty="0" smtClean="0"/>
-              <a:t>IDF_PATH/components/partition_table/gen_esp32part.py </a:t>
-            </a:r>
-            <a:r>
-              <a:rPr lang="en-US" sz="1400" dirty="0" err="1" smtClean="0"/>
-              <a:t>projectname_partition_table.bin</a:t>
-            </a:r>
-            <a:endParaRPr lang="en-US" sz="1400" dirty="0" smtClean="0"/>
-          </a:p>
-          <a:p>
-            <a:pPr lvl="1">
-              <a:buFont typeface="Courier New" panose="02070309020205020404" pitchFamily="49" charset="0"/>
-              <a:buChar char="o"/>
-            </a:pPr>
-            <a:r>
-              <a:rPr lang="en-US" sz="1400" dirty="0" smtClean="0"/>
-              <a:t>Flash: </a:t>
-            </a:r>
-            <a:r>
-              <a:rPr lang="en-US" sz="1400" dirty="0"/>
-              <a:t>python $IDF_PATH/tools/idf.py </a:t>
-            </a:r>
-            <a:r>
-              <a:rPr lang="en-US" sz="1400" dirty="0" err="1"/>
-              <a:t>partition_table</a:t>
-            </a:r>
-            <a:r>
-              <a:rPr lang="en-US" sz="1400" dirty="0"/>
-              <a:t>-flash =&gt; enter to lvglesp32\build\</a:t>
-            </a:r>
-            <a:r>
-              <a:rPr lang="en-US" sz="1400" dirty="0" err="1"/>
-              <a:t>partition_table</a:t>
-            </a:r>
-            <a:endParaRPr lang="en-US" sz="1400" dirty="0" smtClean="0"/>
-          </a:p>
-          <a:p>
-            <a:r>
-              <a:rPr lang="en-US" dirty="0"/>
-              <a:t>D:/iotprj/buildtools/msys32/mingw32/bin/python.exe -m pip install --user -r D:/</a:t>
-            </a:r>
-            <a:r>
-              <a:rPr lang="en-US" dirty="0" smtClean="0"/>
-              <a:t>iotprj/packages/esp-idf/requirements.txt</a:t>
-            </a:r>
-          </a:p>
-          <a:p>
-            <a:r>
-              <a:rPr lang="en-US" dirty="0" smtClean="0"/>
-              <a:t>Create components/main folders in </a:t>
-            </a:r>
-            <a:r>
-              <a:rPr lang="en-US" dirty="0" err="1" smtClean="0"/>
-              <a:t>lvglsim</a:t>
-            </a:r>
-            <a:r>
-              <a:rPr lang="en-US" dirty="0" smtClean="0"/>
-              <a:t> and copy </a:t>
-            </a:r>
-            <a:r>
-              <a:rPr lang="en-US" dirty="0" err="1" smtClean="0"/>
-              <a:t>lv_drivers</a:t>
-            </a:r>
-            <a:r>
-              <a:rPr lang="en-US" dirty="0" smtClean="0"/>
-              <a:t>, .h file into these folder =&gt; same as </a:t>
-            </a:r>
-            <a:r>
-              <a:rPr lang="en-US" dirty="0" err="1" smtClean="0"/>
-              <a:t>esp-idf</a:t>
-            </a:r>
-            <a:r>
-              <a:rPr lang="en-US" dirty="0" smtClean="0"/>
-              <a:t> app</a:t>
-            </a:r>
-          </a:p>
-        </p:txBody>
-      </p:sp>
+      <p:pic>
+        <p:nvPicPr>
+          <p:cNvPr id="2" name="Picture 1"/>
+          <p:cNvPicPr>
+            <a:picLocks noChangeAspect="1"/>
+          </p:cNvPicPr>
+          <p:nvPr/>
+        </p:nvPicPr>
+        <p:blipFill>
+          <a:blip r:embed="rId2"/>
+          <a:stretch>
+            <a:fillRect/>
+          </a:stretch>
+        </p:blipFill>
+        <p:spPr>
+          <a:xfrm>
+            <a:off x="15239" y="0"/>
+            <a:ext cx="12165451" cy="6751320"/>
+          </a:xfrm>
+          <a:prstGeom prst="rect">
+            <a:avLst/>
+          </a:prstGeom>
+        </p:spPr>
+      </p:pic>
     </p:spTree>
     <p:extLst>
       <p:ext uri="{BB962C8B-B14F-4D97-AF65-F5344CB8AC3E}">
-        <p14:creationId xmlns:p14="http://schemas.microsoft.com/office/powerpoint/2010/main" val="91176203"/>
+        <p14:creationId xmlns:p14="http://schemas.microsoft.com/office/powerpoint/2010/main" val="3081684080"/>
       </p:ext>
     </p:extLst>
   </p:cSld>
@@ -6414,54 +6641,9 @@
           <a:chExt cx="0" cy="0"/>
         </a:xfrm>
       </p:grpSpPr>
-      <p:sp>
-        <p:nvSpPr>
-          <p:cNvPr id="2" name="Title 1"/>
-          <p:cNvSpPr>
-            <a:spLocks noGrp="1"/>
-          </p:cNvSpPr>
-          <p:nvPr>
-            <p:ph type="title"/>
-          </p:nvPr>
-        </p:nvSpPr>
-        <p:spPr/>
-        <p:txBody>
-          <a:bodyPr/>
-          <a:lstStyle/>
-          <a:p>
-            <a:r>
-              <a:rPr lang="en-US" dirty="0" smtClean="0"/>
-              <a:t>Image Converter</a:t>
-            </a:r>
-            <a:endParaRPr lang="en-US" dirty="0"/>
-          </a:p>
-        </p:txBody>
-      </p:sp>
-      <p:sp>
-        <p:nvSpPr>
-          <p:cNvPr id="3" name="Content Placeholder 2"/>
-          <p:cNvSpPr>
-            <a:spLocks noGrp="1"/>
-          </p:cNvSpPr>
-          <p:nvPr>
-            <p:ph idx="1"/>
-          </p:nvPr>
-        </p:nvSpPr>
-        <p:spPr/>
-        <p:txBody>
-          <a:bodyPr/>
-          <a:lstStyle/>
-          <a:p>
-            <a:r>
-              <a:rPr lang="en-US" dirty="0"/>
-              <a:t>https://littlevgl.com/image-converter</a:t>
-            </a:r>
-          </a:p>
-        </p:txBody>
-      </p:sp>
       <p:pic>
         <p:nvPicPr>
-          <p:cNvPr id="4" name="Picture 3"/>
+          <p:cNvPr id="2" name="Picture 1"/>
           <p:cNvPicPr>
             <a:picLocks noChangeAspect="1"/>
           </p:cNvPicPr>
@@ -6475,8 +6657,8 @@
         </p:blipFill>
         <p:spPr>
           <a:xfrm>
-            <a:off x="1097280" y="2220685"/>
-            <a:ext cx="7103608" cy="3559619"/>
+            <a:off x="365761" y="539931"/>
+            <a:ext cx="11538856" cy="5232219"/>
           </a:xfrm>
           <a:prstGeom prst="rect">
             <a:avLst/>
@@ -6486,7 +6668,7 @@
     </p:spTree>
     <p:extLst>
       <p:ext uri="{BB962C8B-B14F-4D97-AF65-F5344CB8AC3E}">
-        <p14:creationId xmlns:p14="http://schemas.microsoft.com/office/powerpoint/2010/main" val="2704190323"/>
+        <p14:creationId xmlns:p14="http://schemas.microsoft.com/office/powerpoint/2010/main" val="1881887142"/>
       </p:ext>
     </p:extLst>
   </p:cSld>
@@ -6537,6 +6719,112 @@
           <a:p>
             <a:r>
               <a:rPr lang="en-US" dirty="0" smtClean="0"/>
+              <a:t>Image Converter</a:t>
+            </a:r>
+            <a:endParaRPr lang="en-US" dirty="0"/>
+          </a:p>
+        </p:txBody>
+      </p:sp>
+      <p:sp>
+        <p:nvSpPr>
+          <p:cNvPr id="3" name="Content Placeholder 2"/>
+          <p:cNvSpPr>
+            <a:spLocks noGrp="1"/>
+          </p:cNvSpPr>
+          <p:nvPr>
+            <p:ph idx="1"/>
+          </p:nvPr>
+        </p:nvSpPr>
+        <p:spPr/>
+        <p:txBody>
+          <a:bodyPr/>
+          <a:lstStyle/>
+          <a:p>
+            <a:r>
+              <a:rPr lang="en-US" dirty="0"/>
+              <a:t>https://littlevgl.com/image-converter</a:t>
+            </a:r>
+          </a:p>
+        </p:txBody>
+      </p:sp>
+      <p:pic>
+        <p:nvPicPr>
+          <p:cNvPr id="4" name="Picture 3"/>
+          <p:cNvPicPr>
+            <a:picLocks noChangeAspect="1"/>
+          </p:cNvPicPr>
+          <p:nvPr/>
+        </p:nvPicPr>
+        <p:blipFill>
+          <a:blip r:embed="rId2"/>
+          <a:stretch>
+            <a:fillRect/>
+          </a:stretch>
+        </p:blipFill>
+        <p:spPr>
+          <a:xfrm>
+            <a:off x="1097280" y="2220685"/>
+            <a:ext cx="7103608" cy="3559619"/>
+          </a:xfrm>
+          <a:prstGeom prst="rect">
+            <a:avLst/>
+          </a:prstGeom>
+        </p:spPr>
+      </p:pic>
+    </p:spTree>
+    <p:extLst>
+      <p:ext uri="{BB962C8B-B14F-4D97-AF65-F5344CB8AC3E}">
+        <p14:creationId xmlns:p14="http://schemas.microsoft.com/office/powerpoint/2010/main" val="2704190323"/>
+      </p:ext>
+    </p:extLst>
+  </p:cSld>
+  <p:clrMapOvr>
+    <a:masterClrMapping/>
+  </p:clrMapOvr>
+  <p:timing>
+    <p:tnLst>
+      <p:par>
+        <p:cTn id="1" dur="indefinite" restart="never" nodeType="tmRoot"/>
+      </p:par>
+    </p:tnLst>
+  </p:timing>
+</p:sld>
+</file>
+
+<file path=ppt/slides/slide25.xml><?xml version="1.0" encoding="utf-8"?>
+<p:sld xmlns:a="http://schemas.openxmlformats.org/drawingml/2006/main" xmlns:r="http://schemas.openxmlformats.org/officeDocument/2006/relationships" xmlns:p="http://schemas.openxmlformats.org/presentationml/2006/main">
+  <p:cSld>
+    <p:spTree>
+      <p:nvGrpSpPr>
+        <p:cNvPr id="1" name=""/>
+        <p:cNvGrpSpPr/>
+        <p:nvPr/>
+      </p:nvGrpSpPr>
+      <p:grpSpPr>
+        <a:xfrm>
+          <a:off x="0" y="0"/>
+          <a:ext cx="0" cy="0"/>
+          <a:chOff x="0" y="0"/>
+          <a:chExt cx="0" cy="0"/>
+        </a:xfrm>
+      </p:grpSpPr>
+      <p:sp>
+        <p:nvSpPr>
+          <p:cNvPr id="2" name="Title 1"/>
+          <p:cNvSpPr>
+            <a:spLocks noGrp="1"/>
+          </p:cNvSpPr>
+          <p:nvPr>
+            <p:ph type="title"/>
+          </p:nvPr>
+        </p:nvSpPr>
+        <p:spPr/>
+        <p:txBody>
+          <a:bodyPr/>
+          <a:lstStyle/>
+          <a:p>
+            <a:r>
+              <a:rPr lang="en-US" dirty="0" smtClean="0"/>
               <a:t>References</a:t>
             </a:r>
             <a:endParaRPr lang="en-US" dirty="0"/>
@@ -6639,7 +6927,7 @@
 </p:sld>
 </file>
 
-<file path=ppt/slides/slide25.xml><?xml version="1.0" encoding="utf-8"?>
+<file path=ppt/slides/slide26.xml><?xml version="1.0" encoding="utf-8"?>
 <p:sld xmlns:a="http://schemas.openxmlformats.org/drawingml/2006/main" xmlns:r="http://schemas.openxmlformats.org/officeDocument/2006/relationships" xmlns:p="http://schemas.openxmlformats.org/presentationml/2006/main">
   <p:cSld>
     <p:spTree>
